--- a/docs/diagrams/HelpSequenceDiagram.pptx
+++ b/docs/diagrams/HelpSequenceDiagram.pptx
@@ -259,7 +259,7 @@
           <a:p>
             <a:fld id="{F1B3051C-6CCC-40DB-9C0F-E64FC56C0CAD}" type="datetimeFigureOut">
               <a:rPr lang="en-US" smtClean="0"/>
-              <a:t>10/25/2019</a:t>
+              <a:t>11/11/2019</a:t>
             </a:fld>
             <a:endParaRPr lang="en-US"/>
           </a:p>
@@ -457,7 +457,7 @@
           <a:p>
             <a:fld id="{F1B3051C-6CCC-40DB-9C0F-E64FC56C0CAD}" type="datetimeFigureOut">
               <a:rPr lang="en-US" smtClean="0"/>
-              <a:t>10/25/2019</a:t>
+              <a:t>11/11/2019</a:t>
             </a:fld>
             <a:endParaRPr lang="en-US"/>
           </a:p>
@@ -665,7 +665,7 @@
           <a:p>
             <a:fld id="{F1B3051C-6CCC-40DB-9C0F-E64FC56C0CAD}" type="datetimeFigureOut">
               <a:rPr lang="en-US" smtClean="0"/>
-              <a:t>10/25/2019</a:t>
+              <a:t>11/11/2019</a:t>
             </a:fld>
             <a:endParaRPr lang="en-US"/>
           </a:p>
@@ -863,7 +863,7 @@
           <a:p>
             <a:fld id="{F1B3051C-6CCC-40DB-9C0F-E64FC56C0CAD}" type="datetimeFigureOut">
               <a:rPr lang="en-US" smtClean="0"/>
-              <a:t>10/25/2019</a:t>
+              <a:t>11/11/2019</a:t>
             </a:fld>
             <a:endParaRPr lang="en-US"/>
           </a:p>
@@ -1138,7 +1138,7 @@
           <a:p>
             <a:fld id="{F1B3051C-6CCC-40DB-9C0F-E64FC56C0CAD}" type="datetimeFigureOut">
               <a:rPr lang="en-US" smtClean="0"/>
-              <a:t>10/25/2019</a:t>
+              <a:t>11/11/2019</a:t>
             </a:fld>
             <a:endParaRPr lang="en-US"/>
           </a:p>
@@ -1403,7 +1403,7 @@
           <a:p>
             <a:fld id="{F1B3051C-6CCC-40DB-9C0F-E64FC56C0CAD}" type="datetimeFigureOut">
               <a:rPr lang="en-US" smtClean="0"/>
-              <a:t>10/25/2019</a:t>
+              <a:t>11/11/2019</a:t>
             </a:fld>
             <a:endParaRPr lang="en-US"/>
           </a:p>
@@ -1815,7 +1815,7 @@
           <a:p>
             <a:fld id="{F1B3051C-6CCC-40DB-9C0F-E64FC56C0CAD}" type="datetimeFigureOut">
               <a:rPr lang="en-US" smtClean="0"/>
-              <a:t>10/25/2019</a:t>
+              <a:t>11/11/2019</a:t>
             </a:fld>
             <a:endParaRPr lang="en-US"/>
           </a:p>
@@ -1956,7 +1956,7 @@
           <a:p>
             <a:fld id="{F1B3051C-6CCC-40DB-9C0F-E64FC56C0CAD}" type="datetimeFigureOut">
               <a:rPr lang="en-US" smtClean="0"/>
-              <a:t>10/25/2019</a:t>
+              <a:t>11/11/2019</a:t>
             </a:fld>
             <a:endParaRPr lang="en-US"/>
           </a:p>
@@ -2069,7 +2069,7 @@
           <a:p>
             <a:fld id="{F1B3051C-6CCC-40DB-9C0F-E64FC56C0CAD}" type="datetimeFigureOut">
               <a:rPr lang="en-US" smtClean="0"/>
-              <a:t>10/25/2019</a:t>
+              <a:t>11/11/2019</a:t>
             </a:fld>
             <a:endParaRPr lang="en-US"/>
           </a:p>
@@ -2380,7 +2380,7 @@
           <a:p>
             <a:fld id="{F1B3051C-6CCC-40DB-9C0F-E64FC56C0CAD}" type="datetimeFigureOut">
               <a:rPr lang="en-US" smtClean="0"/>
-              <a:t>10/25/2019</a:t>
+              <a:t>11/11/2019</a:t>
             </a:fld>
             <a:endParaRPr lang="en-US"/>
           </a:p>
@@ -2668,7 +2668,7 @@
           <a:p>
             <a:fld id="{F1B3051C-6CCC-40DB-9C0F-E64FC56C0CAD}" type="datetimeFigureOut">
               <a:rPr lang="en-US" smtClean="0"/>
-              <a:t>10/25/2019</a:t>
+              <a:t>11/11/2019</a:t>
             </a:fld>
             <a:endParaRPr lang="en-US"/>
           </a:p>
@@ -2909,7 +2909,7 @@
           <a:p>
             <a:fld id="{F1B3051C-6CCC-40DB-9C0F-E64FC56C0CAD}" type="datetimeFigureOut">
               <a:rPr lang="en-US" smtClean="0"/>
-              <a:t>10/25/2019</a:t>
+              <a:t>11/11/2019</a:t>
             </a:fld>
             <a:endParaRPr lang="en-US"/>
           </a:p>
@@ -3475,7 +3475,7 @@
         <p:spPr>
           <a:xfrm>
             <a:off x="1837618" y="1776731"/>
-            <a:ext cx="0" cy="4208329"/>
+            <a:ext cx="0" cy="4582972"/>
           </a:xfrm>
           <a:prstGeom prst="line">
             <a:avLst/>
@@ -3517,7 +3517,7 @@
         </p:nvSpPr>
         <p:spPr>
           <a:xfrm>
-            <a:off x="1765610" y="2127425"/>
+            <a:off x="1765666" y="2127425"/>
             <a:ext cx="152400" cy="3705231"/>
           </a:xfrm>
           <a:prstGeom prst="rect">
@@ -3642,7 +3642,7 @@
         <p:spPr>
           <a:xfrm>
             <a:off x="3504389" y="1784084"/>
-            <a:ext cx="0" cy="4200972"/>
+            <a:ext cx="8826" cy="4575619"/>
           </a:xfrm>
           <a:prstGeom prst="line">
             <a:avLst/>
@@ -3742,9 +3742,9 @@
           <p:nvPr/>
         </p:nvCxnSpPr>
         <p:spPr>
-          <a:xfrm flipV="1">
-            <a:off x="678365" y="2134779"/>
-            <a:ext cx="1095607" cy="1"/>
+          <a:xfrm>
+            <a:off x="472166" y="2134780"/>
+            <a:ext cx="1301806" cy="0"/>
           </a:xfrm>
           <a:prstGeom prst="straightConnector1">
             <a:avLst/>
@@ -3968,8 +3968,8 @@
         </p:nvCxnSpPr>
         <p:spPr>
           <a:xfrm>
-            <a:off x="678365" y="5832660"/>
-            <a:ext cx="1087245" cy="0"/>
+            <a:off x="488190" y="5832656"/>
+            <a:ext cx="1277420" cy="4"/>
           </a:xfrm>
           <a:prstGeom prst="straightConnector1">
             <a:avLst/>
@@ -4013,9 +4013,9 @@
           <p:nvPr/>
         </p:nvCxnSpPr>
         <p:spPr>
-          <a:xfrm>
-            <a:off x="488190" y="1915858"/>
-            <a:ext cx="0" cy="4069202"/>
+          <a:xfrm flipH="1">
+            <a:off x="472166" y="1915854"/>
+            <a:ext cx="16024" cy="4443849"/>
           </a:xfrm>
           <a:prstGeom prst="line">
             <a:avLst/>
@@ -4125,7 +4125,7 @@
         <p:spPr>
           <a:xfrm>
             <a:off x="5120730" y="1776731"/>
-            <a:ext cx="0" cy="1726232"/>
+            <a:ext cx="3337" cy="4582972"/>
           </a:xfrm>
           <a:prstGeom prst="line">
             <a:avLst/>
@@ -4291,8 +4291,8 @@
         </p:nvCxnSpPr>
         <p:spPr>
           <a:xfrm>
-            <a:off x="7047305" y="1776731"/>
-            <a:ext cx="0" cy="1541329"/>
+            <a:off x="7047308" y="1776731"/>
+            <a:ext cx="33382" cy="4500779"/>
           </a:xfrm>
           <a:prstGeom prst="line">
             <a:avLst/>
@@ -4458,8 +4458,8 @@
         </p:nvCxnSpPr>
         <p:spPr>
           <a:xfrm>
-            <a:off x="9104729" y="1776731"/>
-            <a:ext cx="0" cy="3827329"/>
+            <a:off x="9102748" y="1776731"/>
+            <a:ext cx="28997" cy="4469957"/>
           </a:xfrm>
           <a:prstGeom prst="line">
             <a:avLst/>
@@ -4733,7 +4733,7 @@
                   <a:srgbClr val="0070C0"/>
                 </a:solidFill>
               </a:rPr>
-              <a:t>(“deadline”)</a:t>
+              <a:t>(“help deadline”)</a:t>
             </a:r>
           </a:p>
         </p:txBody>
@@ -4828,7 +4828,7 @@
                   <a:srgbClr val="0070C0"/>
                 </a:solidFill>
               </a:rPr>
-              <a:t>(“ deadline”)</a:t>
+              <a:t>(“ help deadline”)</a:t>
             </a:r>
           </a:p>
         </p:txBody>
@@ -4984,7 +4984,7 @@
         </p:nvCxnSpPr>
         <p:spPr>
           <a:xfrm flipV="1">
-            <a:off x="3622497" y="3338111"/>
+            <a:off x="3622497" y="3337818"/>
             <a:ext cx="5401865" cy="1"/>
           </a:xfrm>
           <a:prstGeom prst="straightConnector1">
@@ -5298,8 +5298,8 @@
         </p:nvCxnSpPr>
         <p:spPr>
           <a:xfrm>
-            <a:off x="10857330" y="1776731"/>
-            <a:ext cx="4180" cy="3254321"/>
+            <a:off x="10857858" y="1776731"/>
+            <a:ext cx="29732" cy="4500779"/>
           </a:xfrm>
           <a:prstGeom prst="line">
             <a:avLst/>
@@ -5897,21 +5897,6 @@
 </file>
 
 <file path=customXml/item1.xml><?xml version="1.0" encoding="utf-8"?>
-<p:properties xmlns:p="http://schemas.microsoft.com/office/2006/metadata/properties" xmlns:xsi="http://www.w3.org/2001/XMLSchema-instance" xmlns:pc="http://schemas.microsoft.com/office/infopath/2007/PartnerControls">
-  <documentManagement/>
-</p:properties>
-</file>
-
-<file path=customXml/item2.xml><?xml version="1.0" encoding="utf-8"?>
-<?mso-contentType ?>
-<FormTemplates xmlns="http://schemas.microsoft.com/sharepoint/v3/contenttype/forms">
-  <Display>DocumentLibraryForm</Display>
-  <Edit>DocumentLibraryForm</Edit>
-  <New>DocumentLibraryForm</New>
-</FormTemplates>
-</file>
-
-<file path=customXml/item3.xml><?xml version="1.0" encoding="utf-8"?>
 <ct:contentTypeSchema xmlns:ct="http://schemas.microsoft.com/office/2006/metadata/contentType" xmlns:ma="http://schemas.microsoft.com/office/2006/metadata/properties/metaAttributes" ct:_="" ma:_="" ma:contentTypeName="Document" ma:contentTypeID="0x01010086C8877D9A80404BB8F80EFFE3CAED99" ma:contentTypeVersion="6" ma:contentTypeDescription="Create a new document." ma:contentTypeScope="" ma:versionID="74cf67f1b7bc825499c9f6cdcb38ae59">
   <xsd:schema xmlns:xsd="http://www.w3.org/2001/XMLSchema" xmlns:xs="http://www.w3.org/2001/XMLSchema" xmlns:p="http://schemas.microsoft.com/office/2006/metadata/properties" xmlns:ns3="cde12fed-f315-4745-9dde-52571e0f2d9e" targetNamespace="http://schemas.microsoft.com/office/2006/metadata/properties" ma:root="true" ma:fieldsID="1be8800604732bb8d7c2f50a83c522d1" ns3:_="">
     <xsd:import namespace="cde12fed-f315-4745-9dde-52571e0f2d9e"/>
@@ -6069,31 +6054,22 @@
 </ct:contentTypeSchema>
 </file>
 
-<file path=customXml/itemProps1.xml><?xml version="1.0" encoding="utf-8"?>
-<ds:datastoreItem xmlns:ds="http://schemas.openxmlformats.org/officeDocument/2006/customXml" ds:itemID="{560AC1E5-F95E-42FC-AB09-CA82FFF05893}">
-  <ds:schemaRefs>
-    <ds:schemaRef ds:uri="http://purl.org/dc/dcmitype/"/>
-    <ds:schemaRef ds:uri="http://schemas.microsoft.com/office/infopath/2007/PartnerControls"/>
-    <ds:schemaRef ds:uri="http://schemas.openxmlformats.org/package/2006/metadata/core-properties"/>
-    <ds:schemaRef ds:uri="http://schemas.microsoft.com/office/2006/documentManagement/types"/>
-    <ds:schemaRef ds:uri="cde12fed-f315-4745-9dde-52571e0f2d9e"/>
-    <ds:schemaRef ds:uri="http://purl.org/dc/elements/1.1/"/>
-    <ds:schemaRef ds:uri="http://schemas.microsoft.com/office/2006/metadata/properties"/>
-    <ds:schemaRef ds:uri="http://www.w3.org/XML/1998/namespace"/>
-    <ds:schemaRef ds:uri="http://purl.org/dc/terms/"/>
-  </ds:schemaRefs>
-</ds:datastoreItem>
+<file path=customXml/item2.xml><?xml version="1.0" encoding="utf-8"?>
+<?mso-contentType ?>
+<FormTemplates xmlns="http://schemas.microsoft.com/sharepoint/v3/contenttype/forms">
+  <Display>DocumentLibraryForm</Display>
+  <Edit>DocumentLibraryForm</Edit>
+  <New>DocumentLibraryForm</New>
+</FormTemplates>
 </file>
 
-<file path=customXml/itemProps2.xml><?xml version="1.0" encoding="utf-8"?>
-<ds:datastoreItem xmlns:ds="http://schemas.openxmlformats.org/officeDocument/2006/customXml" ds:itemID="{08CA28AA-B844-42A9-B71D-696C27FED66B}">
-  <ds:schemaRefs>
-    <ds:schemaRef ds:uri="http://schemas.microsoft.com/sharepoint/v3/contenttype/forms"/>
-  </ds:schemaRefs>
-</ds:datastoreItem>
+<file path=customXml/item3.xml><?xml version="1.0" encoding="utf-8"?>
+<p:properties xmlns:p="http://schemas.microsoft.com/office/2006/metadata/properties" xmlns:xsi="http://www.w3.org/2001/XMLSchema-instance" xmlns:pc="http://schemas.microsoft.com/office/infopath/2007/PartnerControls">
+  <documentManagement/>
+</p:properties>
 </file>
 
-<file path=customXml/itemProps3.xml><?xml version="1.0" encoding="utf-8"?>
+<file path=customXml/itemProps1.xml><?xml version="1.0" encoding="utf-8"?>
 <ds:datastoreItem xmlns:ds="http://schemas.openxmlformats.org/officeDocument/2006/customXml" ds:itemID="{2DB4591A-E600-45F5-A492-3CCC7C5802C2}">
   <ds:schemaRefs>
     <ds:schemaRef ds:uri="http://schemas.microsoft.com/office/2006/metadata/contentType"/>
@@ -6109,4 +6085,28 @@
     <ds:schemaRef ds:uri="http://schemas.microsoft.com/internal/obd"/>
   </ds:schemaRefs>
 </ds:datastoreItem>
+</file>
+
+<file path=customXml/itemProps2.xml><?xml version="1.0" encoding="utf-8"?>
+<ds:datastoreItem xmlns:ds="http://schemas.openxmlformats.org/officeDocument/2006/customXml" ds:itemID="{08CA28AA-B844-42A9-B71D-696C27FED66B}">
+  <ds:schemaRefs>
+    <ds:schemaRef ds:uri="http://schemas.microsoft.com/sharepoint/v3/contenttype/forms"/>
+  </ds:schemaRefs>
+</ds:datastoreItem>
+</file>
+
+<file path=customXml/itemProps3.xml><?xml version="1.0" encoding="utf-8"?>
+<ds:datastoreItem xmlns:ds="http://schemas.openxmlformats.org/officeDocument/2006/customXml" ds:itemID="{560AC1E5-F95E-42FC-AB09-CA82FFF05893}">
+  <ds:schemaRefs>
+    <ds:schemaRef ds:uri="http://www.w3.org/XML/1998/namespace"/>
+    <ds:schemaRef ds:uri="http://schemas.openxmlformats.org/package/2006/metadata/core-properties"/>
+    <ds:schemaRef ds:uri="http://purl.org/dc/elements/1.1/"/>
+    <ds:schemaRef ds:uri="http://purl.org/dc/terms/"/>
+    <ds:schemaRef ds:uri="http://schemas.microsoft.com/office/2006/documentManagement/types"/>
+    <ds:schemaRef ds:uri="http://purl.org/dc/dcmitype/"/>
+    <ds:schemaRef ds:uri="http://schemas.microsoft.com/office/infopath/2007/PartnerControls"/>
+    <ds:schemaRef ds:uri="cde12fed-f315-4745-9dde-52571e0f2d9e"/>
+    <ds:schemaRef ds:uri="http://schemas.microsoft.com/office/2006/metadata/properties"/>
+  </ds:schemaRefs>
+</ds:datastoreItem>
 </file>